--- a/template/pptx_templates/Minimalistic.pptx
+++ b/template/pptx_templates/Minimalistic.pptx
@@ -1374,7 +1374,7 @@
               </a:buClr>
               <a:buSzPts val="1400"/>
               <a:buChar char="●"/>
-              <a:defRPr sz="1400"/>
+              <a:defRPr sz="1800"/>
             </a:lvl1pPr>
             <a:lvl2pPr lvl="1" algn="ctr" rtl="0">
               <a:spcBef>
@@ -1729,6 +1729,686 @@
 </p:sldLayout>
 </file>
 
+<file path=ppt/slideLayouts/slideLayout3.xml><?xml version="1.0" encoding="utf-8"?>
+<p:sldLayout xmlns:a="http://schemas.openxmlformats.org/drawingml/2006/main" xmlns:r="http://schemas.openxmlformats.org/officeDocument/2006/relationships" xmlns:p="http://schemas.openxmlformats.org/presentationml/2006/main" matchingName="Section title and description" preserve="1" userDrawn="1">
+  <p:cSld name="1_Section title and description">
+    <p:spTree>
+      <p:nvGrpSpPr>
+        <p:cNvPr id="1" name="Shape 54"/>
+        <p:cNvGrpSpPr/>
+        <p:nvPr/>
+      </p:nvGrpSpPr>
+      <p:grpSpPr>
+        <a:xfrm>
+          <a:off x="0" y="0"/>
+          <a:ext cx="0" cy="0"/>
+          <a:chOff x="0" y="0"/>
+          <a:chExt cx="0" cy="0"/>
+        </a:xfrm>
+      </p:grpSpPr>
+      <p:sp>
+        <p:nvSpPr>
+          <p:cNvPr id="56" name="Google Shape;56;p9"/>
+          <p:cNvSpPr txBox="1">
+            <a:spLocks noGrp="1"/>
+          </p:cNvSpPr>
+          <p:nvPr>
+            <p:ph type="title"/>
+          </p:nvPr>
+        </p:nvSpPr>
+        <p:spPr>
+          <a:xfrm>
+            <a:off x="713225" y="445025"/>
+            <a:ext cx="5679900" cy="572700"/>
+          </a:xfrm>
+          <a:prstGeom prst="rect">
+            <a:avLst/>
+          </a:prstGeom>
+        </p:spPr>
+        <p:txBody>
+          <a:bodyPr spcFirstLastPara="1" wrap="square" lIns="91425" tIns="91425" rIns="91425" bIns="91425" anchor="t" anchorCtr="0">
+            <a:noAutofit/>
+          </a:bodyPr>
+          <a:lstStyle>
+            <a:lvl1pPr lvl="0" rtl="0">
+              <a:spcBef>
+                <a:spcPts val="0"/>
+              </a:spcBef>
+              <a:spcAft>
+                <a:spcPts val="0"/>
+              </a:spcAft>
+              <a:buSzPts val="3000"/>
+              <a:buNone/>
+              <a:defRPr/>
+            </a:lvl1pPr>
+            <a:lvl2pPr lvl="1" rtl="0">
+              <a:spcBef>
+                <a:spcPts val="0"/>
+              </a:spcBef>
+              <a:spcAft>
+                <a:spcPts val="0"/>
+              </a:spcAft>
+              <a:buSzPts val="3000"/>
+              <a:buNone/>
+              <a:defRPr/>
+            </a:lvl2pPr>
+            <a:lvl3pPr lvl="2" rtl="0">
+              <a:spcBef>
+                <a:spcPts val="0"/>
+              </a:spcBef>
+              <a:spcAft>
+                <a:spcPts val="0"/>
+              </a:spcAft>
+              <a:buSzPts val="3000"/>
+              <a:buNone/>
+              <a:defRPr/>
+            </a:lvl3pPr>
+            <a:lvl4pPr lvl="3" rtl="0">
+              <a:spcBef>
+                <a:spcPts val="0"/>
+              </a:spcBef>
+              <a:spcAft>
+                <a:spcPts val="0"/>
+              </a:spcAft>
+              <a:buSzPts val="3000"/>
+              <a:buNone/>
+              <a:defRPr/>
+            </a:lvl4pPr>
+            <a:lvl5pPr lvl="4" rtl="0">
+              <a:spcBef>
+                <a:spcPts val="0"/>
+              </a:spcBef>
+              <a:spcAft>
+                <a:spcPts val="0"/>
+              </a:spcAft>
+              <a:buSzPts val="3000"/>
+              <a:buNone/>
+              <a:defRPr/>
+            </a:lvl5pPr>
+            <a:lvl6pPr lvl="5" rtl="0">
+              <a:spcBef>
+                <a:spcPts val="0"/>
+              </a:spcBef>
+              <a:spcAft>
+                <a:spcPts val="0"/>
+              </a:spcAft>
+              <a:buSzPts val="3000"/>
+              <a:buNone/>
+              <a:defRPr/>
+            </a:lvl6pPr>
+            <a:lvl7pPr lvl="6" rtl="0">
+              <a:spcBef>
+                <a:spcPts val="0"/>
+              </a:spcBef>
+              <a:spcAft>
+                <a:spcPts val="0"/>
+              </a:spcAft>
+              <a:buSzPts val="3000"/>
+              <a:buNone/>
+              <a:defRPr/>
+            </a:lvl7pPr>
+            <a:lvl8pPr lvl="7" rtl="0">
+              <a:spcBef>
+                <a:spcPts val="0"/>
+              </a:spcBef>
+              <a:spcAft>
+                <a:spcPts val="0"/>
+              </a:spcAft>
+              <a:buSzPts val="3000"/>
+              <a:buNone/>
+              <a:defRPr/>
+            </a:lvl8pPr>
+            <a:lvl9pPr lvl="8" rtl="0">
+              <a:spcBef>
+                <a:spcPts val="0"/>
+              </a:spcBef>
+              <a:spcAft>
+                <a:spcPts val="0"/>
+              </a:spcAft>
+              <a:buSzPts val="3000"/>
+              <a:buNone/>
+              <a:defRPr/>
+            </a:lvl9pPr>
+          </a:lstStyle>
+          <a:p>
+            <a:endParaRPr dirty="0"/>
+          </a:p>
+        </p:txBody>
+      </p:sp>
+      <p:cxnSp>
+        <p:nvCxnSpPr>
+          <p:cNvPr id="57" name="Google Shape;57;p9"/>
+          <p:cNvCxnSpPr/>
+          <p:nvPr/>
+        </p:nvCxnSpPr>
+        <p:spPr>
+          <a:xfrm>
+            <a:off x="-72550" y="274100"/>
+            <a:ext cx="9287400" cy="0"/>
+          </a:xfrm>
+          <a:prstGeom prst="straightConnector1">
+            <a:avLst/>
+          </a:prstGeom>
+          <a:noFill/>
+          <a:ln w="28575" cap="flat" cmpd="sng">
+            <a:solidFill>
+              <a:schemeClr val="accent1"/>
+            </a:solidFill>
+            <a:prstDash val="solid"/>
+            <a:round/>
+            <a:headEnd type="none" w="med" len="med"/>
+            <a:tailEnd type="none" w="med" len="med"/>
+          </a:ln>
+        </p:spPr>
+      </p:cxnSp>
+      <p:cxnSp>
+        <p:nvCxnSpPr>
+          <p:cNvPr id="58" name="Google Shape;58;p9"/>
+          <p:cNvCxnSpPr/>
+          <p:nvPr/>
+        </p:nvCxnSpPr>
+        <p:spPr>
+          <a:xfrm>
+            <a:off x="-72550" y="4877450"/>
+            <a:ext cx="9287400" cy="0"/>
+          </a:xfrm>
+          <a:prstGeom prst="straightConnector1">
+            <a:avLst/>
+          </a:prstGeom>
+          <a:noFill/>
+          <a:ln w="28575" cap="flat" cmpd="sng">
+            <a:solidFill>
+              <a:schemeClr val="accent1"/>
+            </a:solidFill>
+            <a:prstDash val="solid"/>
+            <a:round/>
+            <a:headEnd type="none" w="med" len="med"/>
+            <a:tailEnd type="none" w="med" len="med"/>
+          </a:ln>
+        </p:spPr>
+      </p:cxnSp>
+      <p:cxnSp>
+        <p:nvCxnSpPr>
+          <p:cNvPr id="59" name="Google Shape;59;p9"/>
+          <p:cNvCxnSpPr/>
+          <p:nvPr/>
+        </p:nvCxnSpPr>
+        <p:spPr>
+          <a:xfrm flipH="1">
+            <a:off x="5925450" y="2797500"/>
+            <a:ext cx="3378000" cy="2466900"/>
+          </a:xfrm>
+          <a:prstGeom prst="curvedConnector3">
+            <a:avLst>
+              <a:gd name="adj1" fmla="val 50000"/>
+            </a:avLst>
+          </a:prstGeom>
+          <a:noFill/>
+          <a:ln w="28575" cap="flat" cmpd="sng">
+            <a:solidFill>
+              <a:schemeClr val="accent2"/>
+            </a:solidFill>
+            <a:prstDash val="solid"/>
+            <a:round/>
+            <a:headEnd type="none" w="med" len="med"/>
+            <a:tailEnd type="none" w="med" len="med"/>
+          </a:ln>
+        </p:spPr>
+      </p:cxnSp>
+      <p:sp>
+        <p:nvSpPr>
+          <p:cNvPr id="5" name="Picture Placeholder 4">
+            <a:extLst>
+              <a:ext uri="{FF2B5EF4-FFF2-40B4-BE49-F238E27FC236}">
+                <a16:creationId xmlns:a16="http://schemas.microsoft.com/office/drawing/2014/main" id="{D4BE630B-A16F-95BB-8636-BC1530251F5C}"/>
+              </a:ext>
+            </a:extLst>
+          </p:cNvPr>
+          <p:cNvSpPr>
+            <a:spLocks noGrp="1"/>
+          </p:cNvSpPr>
+          <p:nvPr>
+            <p:ph type="pic" sz="quarter" idx="10"/>
+          </p:nvPr>
+        </p:nvSpPr>
+        <p:spPr>
+          <a:xfrm>
+            <a:off x="947673" y="1188651"/>
+            <a:ext cx="7246954" cy="3509824"/>
+          </a:xfrm>
+        </p:spPr>
+        <p:txBody>
+          <a:bodyPr/>
+          <a:lstStyle/>
+          <a:p>
+            <a:endParaRPr lang="en-CN" dirty="0"/>
+          </a:p>
+        </p:txBody>
+      </p:sp>
+    </p:spTree>
+    <p:extLst>
+      <p:ext uri="{BB962C8B-B14F-4D97-AF65-F5344CB8AC3E}">
+        <p14:creationId xmlns:p14="http://schemas.microsoft.com/office/powerpoint/2010/main" val="2962357670"/>
+      </p:ext>
+    </p:extLst>
+  </p:cSld>
+  <p:clrMapOvr>
+    <a:masterClrMapping/>
+  </p:clrMapOvr>
+</p:sldLayout>
+</file>
+
+<file path=ppt/slideLayouts/slideLayout4.xml><?xml version="1.0" encoding="utf-8"?>
+<p:sldLayout xmlns:a="http://schemas.openxmlformats.org/drawingml/2006/main" xmlns:r="http://schemas.openxmlformats.org/officeDocument/2006/relationships" xmlns:p="http://schemas.openxmlformats.org/presentationml/2006/main" matchingName="Section title and description" preserve="1" userDrawn="1">
+  <p:cSld name="1_Section title and description">
+    <p:spTree>
+      <p:nvGrpSpPr>
+        <p:cNvPr id="1" name="Shape 54"/>
+        <p:cNvGrpSpPr/>
+        <p:nvPr/>
+      </p:nvGrpSpPr>
+      <p:grpSpPr>
+        <a:xfrm>
+          <a:off x="0" y="0"/>
+          <a:ext cx="0" cy="0"/>
+          <a:chOff x="0" y="0"/>
+          <a:chExt cx="0" cy="0"/>
+        </a:xfrm>
+      </p:grpSpPr>
+      <p:sp>
+        <p:nvSpPr>
+          <p:cNvPr id="55" name="Google Shape;55;p9"/>
+          <p:cNvSpPr txBox="1">
+            <a:spLocks noGrp="1"/>
+          </p:cNvSpPr>
+          <p:nvPr>
+            <p:ph type="subTitle" idx="1" hasCustomPrompt="1"/>
+          </p:nvPr>
+        </p:nvSpPr>
+        <p:spPr>
+          <a:xfrm>
+            <a:off x="4774513" y="1348820"/>
+            <a:ext cx="3847200" cy="2682130"/>
+          </a:xfrm>
+          <a:prstGeom prst="rect">
+            <a:avLst/>
+          </a:prstGeom>
+        </p:spPr>
+        <p:txBody>
+          <a:bodyPr spcFirstLastPara="1" wrap="square" lIns="91425" tIns="91425" rIns="91425" bIns="91425" anchor="t" anchorCtr="0">
+            <a:noAutofit/>
+          </a:bodyPr>
+          <a:lstStyle>
+            <a:lvl1pPr lvl="0" rtl="0">
+              <a:lnSpc>
+                <a:spcPct val="200000"/>
+              </a:lnSpc>
+              <a:spcBef>
+                <a:spcPts val="0"/>
+              </a:spcBef>
+              <a:spcAft>
+                <a:spcPts val="0"/>
+              </a:spcAft>
+              <a:buClr>
+                <a:schemeClr val="accent1"/>
+              </a:buClr>
+              <a:buSzPts val="1400"/>
+              <a:buChar char="●"/>
+              <a:defRPr sz="1800"/>
+            </a:lvl1pPr>
+            <a:lvl2pPr lvl="1" algn="ctr" rtl="0">
+              <a:spcBef>
+                <a:spcPts val="0"/>
+              </a:spcBef>
+              <a:spcAft>
+                <a:spcPts val="0"/>
+              </a:spcAft>
+              <a:buSzPts val="1400"/>
+              <a:buChar char="○"/>
+              <a:defRPr/>
+            </a:lvl2pPr>
+            <a:lvl3pPr lvl="2" algn="ctr" rtl="0">
+              <a:spcBef>
+                <a:spcPts val="0"/>
+              </a:spcBef>
+              <a:spcAft>
+                <a:spcPts val="0"/>
+              </a:spcAft>
+              <a:buSzPts val="1400"/>
+              <a:buChar char="■"/>
+              <a:defRPr/>
+            </a:lvl3pPr>
+            <a:lvl4pPr lvl="3" algn="ctr" rtl="0">
+              <a:spcBef>
+                <a:spcPts val="0"/>
+              </a:spcBef>
+              <a:spcAft>
+                <a:spcPts val="0"/>
+              </a:spcAft>
+              <a:buSzPts val="1400"/>
+              <a:buChar char="●"/>
+              <a:defRPr/>
+            </a:lvl4pPr>
+            <a:lvl5pPr lvl="4" algn="ctr" rtl="0">
+              <a:spcBef>
+                <a:spcPts val="0"/>
+              </a:spcBef>
+              <a:spcAft>
+                <a:spcPts val="0"/>
+              </a:spcAft>
+              <a:buSzPts val="1400"/>
+              <a:buChar char="○"/>
+              <a:defRPr/>
+            </a:lvl5pPr>
+            <a:lvl6pPr lvl="5" algn="ctr" rtl="0">
+              <a:spcBef>
+                <a:spcPts val="0"/>
+              </a:spcBef>
+              <a:spcAft>
+                <a:spcPts val="0"/>
+              </a:spcAft>
+              <a:buSzPts val="1400"/>
+              <a:buChar char="■"/>
+              <a:defRPr/>
+            </a:lvl6pPr>
+            <a:lvl7pPr lvl="6" algn="ctr" rtl="0">
+              <a:spcBef>
+                <a:spcPts val="0"/>
+              </a:spcBef>
+              <a:spcAft>
+                <a:spcPts val="0"/>
+              </a:spcAft>
+              <a:buSzPts val="1400"/>
+              <a:buChar char="●"/>
+              <a:defRPr/>
+            </a:lvl7pPr>
+            <a:lvl8pPr lvl="7" algn="ctr" rtl="0">
+              <a:spcBef>
+                <a:spcPts val="0"/>
+              </a:spcBef>
+              <a:spcAft>
+                <a:spcPts val="0"/>
+              </a:spcAft>
+              <a:buSzPts val="1400"/>
+              <a:buChar char="○"/>
+              <a:defRPr/>
+            </a:lvl8pPr>
+            <a:lvl9pPr lvl="8" algn="ctr" rtl="0">
+              <a:spcBef>
+                <a:spcPts val="0"/>
+              </a:spcBef>
+              <a:spcAft>
+                <a:spcPts val="0"/>
+              </a:spcAft>
+              <a:buSzPts val="1400"/>
+              <a:buChar char="■"/>
+              <a:defRPr/>
+            </a:lvl9pPr>
+          </a:lstStyle>
+          <a:p>
+            <a:pPr lvl="0"/>
+            <a:r>
+              <a:rPr lang="en-US" dirty="0"/>
+              <a:t>Click to edit Master text styles</a:t>
+            </a:r>
+          </a:p>
+          <a:p>
+            <a:endParaRPr dirty="0"/>
+          </a:p>
+        </p:txBody>
+      </p:sp>
+      <p:sp>
+        <p:nvSpPr>
+          <p:cNvPr id="56" name="Google Shape;56;p9"/>
+          <p:cNvSpPr txBox="1">
+            <a:spLocks noGrp="1"/>
+          </p:cNvSpPr>
+          <p:nvPr>
+            <p:ph type="title"/>
+          </p:nvPr>
+        </p:nvSpPr>
+        <p:spPr>
+          <a:xfrm>
+            <a:off x="713225" y="445025"/>
+            <a:ext cx="5679900" cy="572700"/>
+          </a:xfrm>
+          <a:prstGeom prst="rect">
+            <a:avLst/>
+          </a:prstGeom>
+        </p:spPr>
+        <p:txBody>
+          <a:bodyPr spcFirstLastPara="1" wrap="square" lIns="91425" tIns="91425" rIns="91425" bIns="91425" anchor="t" anchorCtr="0">
+            <a:noAutofit/>
+          </a:bodyPr>
+          <a:lstStyle>
+            <a:lvl1pPr lvl="0" rtl="0">
+              <a:spcBef>
+                <a:spcPts val="0"/>
+              </a:spcBef>
+              <a:spcAft>
+                <a:spcPts val="0"/>
+              </a:spcAft>
+              <a:buSzPts val="3000"/>
+              <a:buNone/>
+              <a:defRPr/>
+            </a:lvl1pPr>
+            <a:lvl2pPr lvl="1" rtl="0">
+              <a:spcBef>
+                <a:spcPts val="0"/>
+              </a:spcBef>
+              <a:spcAft>
+                <a:spcPts val="0"/>
+              </a:spcAft>
+              <a:buSzPts val="3000"/>
+              <a:buNone/>
+              <a:defRPr/>
+            </a:lvl2pPr>
+            <a:lvl3pPr lvl="2" rtl="0">
+              <a:spcBef>
+                <a:spcPts val="0"/>
+              </a:spcBef>
+              <a:spcAft>
+                <a:spcPts val="0"/>
+              </a:spcAft>
+              <a:buSzPts val="3000"/>
+              <a:buNone/>
+              <a:defRPr/>
+            </a:lvl3pPr>
+            <a:lvl4pPr lvl="3" rtl="0">
+              <a:spcBef>
+                <a:spcPts val="0"/>
+              </a:spcBef>
+              <a:spcAft>
+                <a:spcPts val="0"/>
+              </a:spcAft>
+              <a:buSzPts val="3000"/>
+              <a:buNone/>
+              <a:defRPr/>
+            </a:lvl4pPr>
+            <a:lvl5pPr lvl="4" rtl="0">
+              <a:spcBef>
+                <a:spcPts val="0"/>
+              </a:spcBef>
+              <a:spcAft>
+                <a:spcPts val="0"/>
+              </a:spcAft>
+              <a:buSzPts val="3000"/>
+              <a:buNone/>
+              <a:defRPr/>
+            </a:lvl5pPr>
+            <a:lvl6pPr lvl="5" rtl="0">
+              <a:spcBef>
+                <a:spcPts val="0"/>
+              </a:spcBef>
+              <a:spcAft>
+                <a:spcPts val="0"/>
+              </a:spcAft>
+              <a:buSzPts val="3000"/>
+              <a:buNone/>
+              <a:defRPr/>
+            </a:lvl6pPr>
+            <a:lvl7pPr lvl="6" rtl="0">
+              <a:spcBef>
+                <a:spcPts val="0"/>
+              </a:spcBef>
+              <a:spcAft>
+                <a:spcPts val="0"/>
+              </a:spcAft>
+              <a:buSzPts val="3000"/>
+              <a:buNone/>
+              <a:defRPr/>
+            </a:lvl7pPr>
+            <a:lvl8pPr lvl="7" rtl="0">
+              <a:spcBef>
+                <a:spcPts val="0"/>
+              </a:spcBef>
+              <a:spcAft>
+                <a:spcPts val="0"/>
+              </a:spcAft>
+              <a:buSzPts val="3000"/>
+              <a:buNone/>
+              <a:defRPr/>
+            </a:lvl8pPr>
+            <a:lvl9pPr lvl="8" rtl="0">
+              <a:spcBef>
+                <a:spcPts val="0"/>
+              </a:spcBef>
+              <a:spcAft>
+                <a:spcPts val="0"/>
+              </a:spcAft>
+              <a:buSzPts val="3000"/>
+              <a:buNone/>
+              <a:defRPr/>
+            </a:lvl9pPr>
+          </a:lstStyle>
+          <a:p>
+            <a:endParaRPr dirty="0"/>
+          </a:p>
+        </p:txBody>
+      </p:sp>
+      <p:cxnSp>
+        <p:nvCxnSpPr>
+          <p:cNvPr id="57" name="Google Shape;57;p9"/>
+          <p:cNvCxnSpPr/>
+          <p:nvPr/>
+        </p:nvCxnSpPr>
+        <p:spPr>
+          <a:xfrm>
+            <a:off x="-72550" y="274100"/>
+            <a:ext cx="9287400" cy="0"/>
+          </a:xfrm>
+          <a:prstGeom prst="straightConnector1">
+            <a:avLst/>
+          </a:prstGeom>
+          <a:noFill/>
+          <a:ln w="28575" cap="flat" cmpd="sng">
+            <a:solidFill>
+              <a:schemeClr val="accent1"/>
+            </a:solidFill>
+            <a:prstDash val="solid"/>
+            <a:round/>
+            <a:headEnd type="none" w="med" len="med"/>
+            <a:tailEnd type="none" w="med" len="med"/>
+          </a:ln>
+        </p:spPr>
+      </p:cxnSp>
+      <p:cxnSp>
+        <p:nvCxnSpPr>
+          <p:cNvPr id="58" name="Google Shape;58;p9"/>
+          <p:cNvCxnSpPr/>
+          <p:nvPr/>
+        </p:nvCxnSpPr>
+        <p:spPr>
+          <a:xfrm>
+            <a:off x="-72550" y="4877450"/>
+            <a:ext cx="9287400" cy="0"/>
+          </a:xfrm>
+          <a:prstGeom prst="straightConnector1">
+            <a:avLst/>
+          </a:prstGeom>
+          <a:noFill/>
+          <a:ln w="28575" cap="flat" cmpd="sng">
+            <a:solidFill>
+              <a:schemeClr val="accent1"/>
+            </a:solidFill>
+            <a:prstDash val="solid"/>
+            <a:round/>
+            <a:headEnd type="none" w="med" len="med"/>
+            <a:tailEnd type="none" w="med" len="med"/>
+          </a:ln>
+        </p:spPr>
+      </p:cxnSp>
+      <p:cxnSp>
+        <p:nvCxnSpPr>
+          <p:cNvPr id="59" name="Google Shape;59;p9"/>
+          <p:cNvCxnSpPr/>
+          <p:nvPr/>
+        </p:nvCxnSpPr>
+        <p:spPr>
+          <a:xfrm flipH="1">
+            <a:off x="5925450" y="2797500"/>
+            <a:ext cx="3378000" cy="2466900"/>
+          </a:xfrm>
+          <a:prstGeom prst="curvedConnector3">
+            <a:avLst>
+              <a:gd name="adj1" fmla="val 50000"/>
+            </a:avLst>
+          </a:prstGeom>
+          <a:noFill/>
+          <a:ln w="28575" cap="flat" cmpd="sng">
+            <a:solidFill>
+              <a:schemeClr val="accent2"/>
+            </a:solidFill>
+            <a:prstDash val="solid"/>
+            <a:round/>
+            <a:headEnd type="none" w="med" len="med"/>
+            <a:tailEnd type="none" w="med" len="med"/>
+          </a:ln>
+        </p:spPr>
+      </p:cxnSp>
+      <p:sp>
+        <p:nvSpPr>
+          <p:cNvPr id="5" name="Picture Placeholder 4">
+            <a:extLst>
+              <a:ext uri="{FF2B5EF4-FFF2-40B4-BE49-F238E27FC236}">
+                <a16:creationId xmlns:a16="http://schemas.microsoft.com/office/drawing/2014/main" id="{D4BE630B-A16F-95BB-8636-BC1530251F5C}"/>
+              </a:ext>
+            </a:extLst>
+          </p:cNvPr>
+          <p:cNvSpPr>
+            <a:spLocks noGrp="1"/>
+          </p:cNvSpPr>
+          <p:nvPr>
+            <p:ph type="pic" sz="quarter" idx="10"/>
+          </p:nvPr>
+        </p:nvSpPr>
+        <p:spPr>
+          <a:xfrm>
+            <a:off x="652689" y="1348820"/>
+            <a:ext cx="3821113" cy="2742968"/>
+          </a:xfrm>
+        </p:spPr>
+        <p:txBody>
+          <a:bodyPr/>
+          <a:lstStyle/>
+          <a:p>
+            <a:endParaRPr lang="en-CN" dirty="0"/>
+          </a:p>
+        </p:txBody>
+      </p:sp>
+    </p:spTree>
+    <p:extLst>
+      <p:ext uri="{BB962C8B-B14F-4D97-AF65-F5344CB8AC3E}">
+        <p14:creationId xmlns:p14="http://schemas.microsoft.com/office/powerpoint/2010/main" val="2618658362"/>
+      </p:ext>
+    </p:extLst>
+  </p:cSld>
+  <p:clrMapOvr>
+    <a:masterClrMapping/>
+  </p:clrMapOvr>
+</p:sldLayout>
+</file>
+
 <file path=ppt/slideMasters/slideMaster1.xml><?xml version="1.0" encoding="utf-8"?>
 <p:sldMaster xmlns:a="http://schemas.openxmlformats.org/drawingml/2006/main" xmlns:r="http://schemas.openxmlformats.org/officeDocument/2006/relationships" xmlns:p="http://schemas.openxmlformats.org/presentationml/2006/main">
   <p:cSld name="simple-light-2">
@@ -2229,6 +2909,8 @@
   <p:sldLayoutIdLst>
     <p:sldLayoutId id="2147483704" r:id="rId1"/>
     <p:sldLayoutId id="2147483705" r:id="rId2"/>
+    <p:sldLayoutId id="2147483706" r:id="rId3"/>
+    <p:sldLayoutId id="2147483707" r:id="rId4"/>
   </p:sldLayoutIdLst>
   <p:hf sldNum="0" hdr="0" ftr="0" dt="0"/>
   <p:txStyles>

--- a/template/pptx_templates/Minimalistic.pptx
+++ b/template/pptx_templates/Minimalistic.pptx
@@ -359,7 +359,7 @@
           <a:p>
             <a:fld id="{648309C0-4E78-8D4D-A5CA-E6D4B32F6D30}" type="datetimeFigureOut">
               <a:rPr lang="en-CN" smtClean="0"/>
-              <a:t>2024/1/20</a:t>
+              <a:t>2024/1/21</a:t>
             </a:fld>
             <a:endParaRPr lang="en-CN"/>
           </a:p>
@@ -1347,7 +1347,7 @@
         </p:nvSpPr>
         <p:spPr>
           <a:xfrm>
-            <a:off x="895950" y="1379770"/>
+            <a:off x="928607" y="1061476"/>
             <a:ext cx="3847200" cy="2682130"/>
           </a:xfrm>
           <a:prstGeom prst="rect">
@@ -2027,7 +2027,7 @@
         </p:nvSpPr>
         <p:spPr>
           <a:xfrm>
-            <a:off x="4774513" y="1348820"/>
+            <a:off x="4774513" y="1059763"/>
             <a:ext cx="3847200" cy="2682130"/>
           </a:xfrm>
           <a:prstGeom prst="rect">

--- a/template/pptx_templates/Minimalistic.pptx
+++ b/template/pptx_templates/Minimalistic.pptx
@@ -1490,7 +1490,7 @@
         <p:spPr>
           <a:xfrm>
             <a:off x="713225" y="445025"/>
-            <a:ext cx="5679900" cy="572700"/>
+            <a:ext cx="7647004" cy="572700"/>
           </a:xfrm>
           <a:prstGeom prst="rect">
             <a:avLst/>
@@ -1759,7 +1759,7 @@
         <p:spPr>
           <a:xfrm>
             <a:off x="713225" y="445025"/>
-            <a:ext cx="5679900" cy="572700"/>
+            <a:ext cx="7834782" cy="572700"/>
           </a:xfrm>
           <a:prstGeom prst="rect">
             <a:avLst/>
@@ -2169,8 +2169,8 @@
         </p:nvSpPr>
         <p:spPr>
           <a:xfrm>
-            <a:off x="713225" y="445025"/>
-            <a:ext cx="5679900" cy="572700"/>
+            <a:off x="713224" y="445025"/>
+            <a:ext cx="7851111" cy="572700"/>
           </a:xfrm>
           <a:prstGeom prst="rect">
             <a:avLst/>

--- a/template/pptx_templates/Minimalistic.pptx
+++ b/template/pptx_templates/Minimalistic.pptx
@@ -1347,8 +1347,8 @@
         </p:nvSpPr>
         <p:spPr>
           <a:xfrm>
-            <a:off x="928607" y="1061476"/>
-            <a:ext cx="3847200" cy="2682130"/>
+            <a:off x="928607" y="1061475"/>
+            <a:ext cx="3847200" cy="3429021"/>
           </a:xfrm>
           <a:prstGeom prst="rect">
             <a:avLst/>
@@ -1510,7 +1510,7 @@
               </a:spcAft>
               <a:buSzPts val="3000"/>
               <a:buNone/>
-              <a:defRPr/>
+              <a:defRPr sz="2400"/>
             </a:lvl1pPr>
             <a:lvl2pPr lvl="1" rtl="0">
               <a:spcBef>
@@ -1779,7 +1779,7 @@
               </a:spcAft>
               <a:buSzPts val="3000"/>
               <a:buNone/>
-              <a:defRPr/>
+              <a:defRPr sz="2400"/>
             </a:lvl1pPr>
             <a:lvl2pPr lvl="1" rtl="0">
               <a:spcBef>
@@ -2190,7 +2190,7 @@
               </a:spcAft>
               <a:buSzPts val="3000"/>
               <a:buNone/>
-              <a:defRPr/>
+              <a:defRPr sz="2400"/>
             </a:lvl1pPr>
             <a:lvl2pPr lvl="1" rtl="0">
               <a:spcBef>

--- a/template/pptx_templates/Minimalistic.pptx
+++ b/template/pptx_templates/Minimalistic.pptx
@@ -1347,7 +1347,7 @@
         </p:nvSpPr>
         <p:spPr>
           <a:xfrm>
-            <a:off x="928607" y="1061475"/>
+            <a:off x="920444" y="489453"/>
             <a:ext cx="3847200" cy="3429021"/>
           </a:xfrm>
           <a:prstGeom prst="rect">
@@ -2027,8 +2027,8 @@
         </p:nvSpPr>
         <p:spPr>
           <a:xfrm>
-            <a:off x="4774513" y="1059763"/>
-            <a:ext cx="3847200" cy="2682130"/>
+            <a:off x="4774513" y="506190"/>
+            <a:ext cx="3847200" cy="3235703"/>
           </a:xfrm>
           <a:prstGeom prst="rect">
             <a:avLst/>
